--- a/wireframe and design.pptx
+++ b/wireframe and design.pptx
@@ -13,7 +13,7 @@
   <p:notesSz cx="6858000" cy="9144000"/>
   <p:defaultTextStyle>
     <a:defPPr>
-      <a:defRPr lang="LID4096"/>
+      <a:defRPr lang="x-none"/>
     </a:defPPr>
     <a:lvl1pPr marL="0" algn="l" defTabSz="914400" rtl="0" eaLnBrk="1" latinLnBrk="0" hangingPunct="1">
       <a:defRPr sz="1800" kern="1200">
@@ -106,6 +106,11 @@
       </a:defRPr>
     </a:lvl9pPr>
   </p:defaultTextStyle>
+  <p:extLst>
+    <p:ext uri="{EFAFB233-063F-42B5-8137-9DF3F51BA10A}">
+      <p15:sldGuideLst xmlns:p15="http://schemas.microsoft.com/office/powerpoint/2012/main"/>
+    </p:ext>
+  </p:extLst>
 </p:presentation>
 </file>
 
@@ -131,7 +136,7 @@
           <p:cNvPr id="2" name="Title 1">
             <a:extLst>
               <a:ext uri="{FF2B5EF4-FFF2-40B4-BE49-F238E27FC236}">
-                <a16:creationId xmlns:a16="http://schemas.microsoft.com/office/drawing/2014/main" id="{C4ACB37F-552F-4423-B344-95425A5AC9F4}"/>
+                <a16:creationId xmlns:a16="http://schemas.microsoft.com/office/drawing/2014/main" xmlns="" id="{C4ACB37F-552F-4423-B344-95425A5AC9F4}"/>
               </a:ext>
             </a:extLst>
           </p:cNvPr>
@@ -160,7 +165,7 @@
               <a:rPr lang="en-US"/>
               <a:t>Click to edit Master title style</a:t>
             </a:r>
-            <a:endParaRPr lang="LID4096"/>
+            <a:endParaRPr lang="x-none"/>
           </a:p>
         </p:txBody>
       </p:sp>
@@ -169,7 +174,7 @@
           <p:cNvPr id="3" name="Subtitle 2">
             <a:extLst>
               <a:ext uri="{FF2B5EF4-FFF2-40B4-BE49-F238E27FC236}">
-                <a16:creationId xmlns:a16="http://schemas.microsoft.com/office/drawing/2014/main" id="{EE27265A-9FA0-4612-87D2-9AE2828A19D4}"/>
+                <a16:creationId xmlns:a16="http://schemas.microsoft.com/office/drawing/2014/main" xmlns="" id="{EE27265A-9FA0-4612-87D2-9AE2828A19D4}"/>
               </a:ext>
             </a:extLst>
           </p:cNvPr>
@@ -231,7 +236,7 @@
               <a:rPr lang="en-US"/>
               <a:t>Click to edit Master subtitle style</a:t>
             </a:r>
-            <a:endParaRPr lang="LID4096"/>
+            <a:endParaRPr lang="x-none"/>
           </a:p>
         </p:txBody>
       </p:sp>
@@ -240,7 +245,7 @@
           <p:cNvPr id="4" name="Date Placeholder 3">
             <a:extLst>
               <a:ext uri="{FF2B5EF4-FFF2-40B4-BE49-F238E27FC236}">
-                <a16:creationId xmlns:a16="http://schemas.microsoft.com/office/drawing/2014/main" id="{52C7FAC6-D7C0-46AE-8ACD-1C1267BACE5D}"/>
+                <a16:creationId xmlns:a16="http://schemas.microsoft.com/office/drawing/2014/main" xmlns="" id="{52C7FAC6-D7C0-46AE-8ACD-1C1267BACE5D}"/>
               </a:ext>
             </a:extLst>
           </p:cNvPr>
@@ -257,10 +262,10 @@
           <a:lstStyle/>
           <a:p>
             <a:fld id="{1CF0D63C-64AB-4670-9284-9B2265A09BBB}" type="datetimeFigureOut">
-              <a:rPr lang="LID4096" smtClean="0"/>
-              <a:t>02/20/2020</a:t>
+              <a:rPr lang="x-none" smtClean="0"/>
+              <a:t>20-Feb-20</a:t>
             </a:fld>
-            <a:endParaRPr lang="LID4096"/>
+            <a:endParaRPr lang="x-none"/>
           </a:p>
         </p:txBody>
       </p:sp>
@@ -269,7 +274,7 @@
           <p:cNvPr id="5" name="Footer Placeholder 4">
             <a:extLst>
               <a:ext uri="{FF2B5EF4-FFF2-40B4-BE49-F238E27FC236}">
-                <a16:creationId xmlns:a16="http://schemas.microsoft.com/office/drawing/2014/main" id="{46F70123-4F24-4EFA-A5ED-BBD4BA3393C7}"/>
+                <a16:creationId xmlns:a16="http://schemas.microsoft.com/office/drawing/2014/main" xmlns="" id="{46F70123-4F24-4EFA-A5ED-BBD4BA3393C7}"/>
               </a:ext>
             </a:extLst>
           </p:cNvPr>
@@ -285,7 +290,7 @@
           <a:bodyPr/>
           <a:lstStyle/>
           <a:p>
-            <a:endParaRPr lang="LID4096"/>
+            <a:endParaRPr lang="x-none"/>
           </a:p>
         </p:txBody>
       </p:sp>
@@ -294,7 +299,7 @@
           <p:cNvPr id="6" name="Slide Number Placeholder 5">
             <a:extLst>
               <a:ext uri="{FF2B5EF4-FFF2-40B4-BE49-F238E27FC236}">
-                <a16:creationId xmlns:a16="http://schemas.microsoft.com/office/drawing/2014/main" id="{4BEEF3CC-A2D1-4F7C-BEEC-F38622D2B08F}"/>
+                <a16:creationId xmlns:a16="http://schemas.microsoft.com/office/drawing/2014/main" xmlns="" id="{4BEEF3CC-A2D1-4F7C-BEEC-F38622D2B08F}"/>
               </a:ext>
             </a:extLst>
           </p:cNvPr>
@@ -311,10 +316,10 @@
           <a:lstStyle/>
           <a:p>
             <a:fld id="{AD744F32-CD52-4F09-B406-6A843AE79C59}" type="slidenum">
-              <a:rPr lang="LID4096" smtClean="0"/>
+              <a:rPr lang="x-none" smtClean="0"/>
               <a:t>‹#›</a:t>
             </a:fld>
-            <a:endParaRPr lang="LID4096"/>
+            <a:endParaRPr lang="x-none"/>
           </a:p>
         </p:txBody>
       </p:sp>
@@ -353,7 +358,7 @@
           <p:cNvPr id="2" name="Title 1">
             <a:extLst>
               <a:ext uri="{FF2B5EF4-FFF2-40B4-BE49-F238E27FC236}">
-                <a16:creationId xmlns:a16="http://schemas.microsoft.com/office/drawing/2014/main" id="{BF0A3F49-C901-48BD-9C10-6684EA5FE336}"/>
+                <a16:creationId xmlns:a16="http://schemas.microsoft.com/office/drawing/2014/main" xmlns="" id="{BF0A3F49-C901-48BD-9C10-6684EA5FE336}"/>
               </a:ext>
             </a:extLst>
           </p:cNvPr>
@@ -373,7 +378,7 @@
               <a:rPr lang="en-US"/>
               <a:t>Click to edit Master title style</a:t>
             </a:r>
-            <a:endParaRPr lang="LID4096"/>
+            <a:endParaRPr lang="x-none"/>
           </a:p>
         </p:txBody>
       </p:sp>
@@ -382,7 +387,7 @@
           <p:cNvPr id="3" name="Vertical Text Placeholder 2">
             <a:extLst>
               <a:ext uri="{FF2B5EF4-FFF2-40B4-BE49-F238E27FC236}">
-                <a16:creationId xmlns:a16="http://schemas.microsoft.com/office/drawing/2014/main" id="{5A7C46E4-758C-41A1-972F-299E4AF557AC}"/>
+                <a16:creationId xmlns:a16="http://schemas.microsoft.com/office/drawing/2014/main" xmlns="" id="{5A7C46E4-758C-41A1-972F-299E4AF557AC}"/>
               </a:ext>
             </a:extLst>
           </p:cNvPr>
@@ -431,7 +436,7 @@
               <a:rPr lang="en-US"/>
               <a:t>Fifth level</a:t>
             </a:r>
-            <a:endParaRPr lang="LID4096"/>
+            <a:endParaRPr lang="x-none"/>
           </a:p>
         </p:txBody>
       </p:sp>
@@ -440,7 +445,7 @@
           <p:cNvPr id="4" name="Date Placeholder 3">
             <a:extLst>
               <a:ext uri="{FF2B5EF4-FFF2-40B4-BE49-F238E27FC236}">
-                <a16:creationId xmlns:a16="http://schemas.microsoft.com/office/drawing/2014/main" id="{24556632-D8D0-4F4E-8311-79C9046FA930}"/>
+                <a16:creationId xmlns:a16="http://schemas.microsoft.com/office/drawing/2014/main" xmlns="" id="{24556632-D8D0-4F4E-8311-79C9046FA930}"/>
               </a:ext>
             </a:extLst>
           </p:cNvPr>
@@ -457,10 +462,10 @@
           <a:lstStyle/>
           <a:p>
             <a:fld id="{1CF0D63C-64AB-4670-9284-9B2265A09BBB}" type="datetimeFigureOut">
-              <a:rPr lang="LID4096" smtClean="0"/>
-              <a:t>02/20/2020</a:t>
+              <a:rPr lang="x-none" smtClean="0"/>
+              <a:t>20-Feb-20</a:t>
             </a:fld>
-            <a:endParaRPr lang="LID4096"/>
+            <a:endParaRPr lang="x-none"/>
           </a:p>
         </p:txBody>
       </p:sp>
@@ -469,7 +474,7 @@
           <p:cNvPr id="5" name="Footer Placeholder 4">
             <a:extLst>
               <a:ext uri="{FF2B5EF4-FFF2-40B4-BE49-F238E27FC236}">
-                <a16:creationId xmlns:a16="http://schemas.microsoft.com/office/drawing/2014/main" id="{AF4A56B7-C0CA-4445-BBD6-F04FD039A6A4}"/>
+                <a16:creationId xmlns:a16="http://schemas.microsoft.com/office/drawing/2014/main" xmlns="" id="{AF4A56B7-C0CA-4445-BBD6-F04FD039A6A4}"/>
               </a:ext>
             </a:extLst>
           </p:cNvPr>
@@ -485,7 +490,7 @@
           <a:bodyPr/>
           <a:lstStyle/>
           <a:p>
-            <a:endParaRPr lang="LID4096"/>
+            <a:endParaRPr lang="x-none"/>
           </a:p>
         </p:txBody>
       </p:sp>
@@ -494,7 +499,7 @@
           <p:cNvPr id="6" name="Slide Number Placeholder 5">
             <a:extLst>
               <a:ext uri="{FF2B5EF4-FFF2-40B4-BE49-F238E27FC236}">
-                <a16:creationId xmlns:a16="http://schemas.microsoft.com/office/drawing/2014/main" id="{742EC671-1924-4CCE-9200-9C550AA11C68}"/>
+                <a16:creationId xmlns:a16="http://schemas.microsoft.com/office/drawing/2014/main" xmlns="" id="{742EC671-1924-4CCE-9200-9C550AA11C68}"/>
               </a:ext>
             </a:extLst>
           </p:cNvPr>
@@ -511,10 +516,10 @@
           <a:lstStyle/>
           <a:p>
             <a:fld id="{AD744F32-CD52-4F09-B406-6A843AE79C59}" type="slidenum">
-              <a:rPr lang="LID4096" smtClean="0"/>
+              <a:rPr lang="x-none" smtClean="0"/>
               <a:t>‹#›</a:t>
             </a:fld>
-            <a:endParaRPr lang="LID4096"/>
+            <a:endParaRPr lang="x-none"/>
           </a:p>
         </p:txBody>
       </p:sp>
@@ -553,7 +558,7 @@
           <p:cNvPr id="2" name="Vertical Title 1">
             <a:extLst>
               <a:ext uri="{FF2B5EF4-FFF2-40B4-BE49-F238E27FC236}">
-                <a16:creationId xmlns:a16="http://schemas.microsoft.com/office/drawing/2014/main" id="{D91E4AF4-3DAE-42F6-929A-67425C9738E3}"/>
+                <a16:creationId xmlns:a16="http://schemas.microsoft.com/office/drawing/2014/main" xmlns="" id="{D91E4AF4-3DAE-42F6-929A-67425C9738E3}"/>
               </a:ext>
             </a:extLst>
           </p:cNvPr>
@@ -578,7 +583,7 @@
               <a:rPr lang="en-US"/>
               <a:t>Click to edit Master title style</a:t>
             </a:r>
-            <a:endParaRPr lang="LID4096"/>
+            <a:endParaRPr lang="x-none"/>
           </a:p>
         </p:txBody>
       </p:sp>
@@ -587,7 +592,7 @@
           <p:cNvPr id="3" name="Vertical Text Placeholder 2">
             <a:extLst>
               <a:ext uri="{FF2B5EF4-FFF2-40B4-BE49-F238E27FC236}">
-                <a16:creationId xmlns:a16="http://schemas.microsoft.com/office/drawing/2014/main" id="{12E9372B-BC1E-479A-BD1F-75B1049B7650}"/>
+                <a16:creationId xmlns:a16="http://schemas.microsoft.com/office/drawing/2014/main" xmlns="" id="{12E9372B-BC1E-479A-BD1F-75B1049B7650}"/>
               </a:ext>
             </a:extLst>
           </p:cNvPr>
@@ -641,7 +646,7 @@
               <a:rPr lang="en-US"/>
               <a:t>Fifth level</a:t>
             </a:r>
-            <a:endParaRPr lang="LID4096"/>
+            <a:endParaRPr lang="x-none"/>
           </a:p>
         </p:txBody>
       </p:sp>
@@ -650,7 +655,7 @@
           <p:cNvPr id="4" name="Date Placeholder 3">
             <a:extLst>
               <a:ext uri="{FF2B5EF4-FFF2-40B4-BE49-F238E27FC236}">
-                <a16:creationId xmlns:a16="http://schemas.microsoft.com/office/drawing/2014/main" id="{728C5429-88D5-4788-8A87-9ECBC12E6ABF}"/>
+                <a16:creationId xmlns:a16="http://schemas.microsoft.com/office/drawing/2014/main" xmlns="" id="{728C5429-88D5-4788-8A87-9ECBC12E6ABF}"/>
               </a:ext>
             </a:extLst>
           </p:cNvPr>
@@ -667,10 +672,10 @@
           <a:lstStyle/>
           <a:p>
             <a:fld id="{1CF0D63C-64AB-4670-9284-9B2265A09BBB}" type="datetimeFigureOut">
-              <a:rPr lang="LID4096" smtClean="0"/>
-              <a:t>02/20/2020</a:t>
+              <a:rPr lang="x-none" smtClean="0"/>
+              <a:t>20-Feb-20</a:t>
             </a:fld>
-            <a:endParaRPr lang="LID4096"/>
+            <a:endParaRPr lang="x-none"/>
           </a:p>
         </p:txBody>
       </p:sp>
@@ -679,7 +684,7 @@
           <p:cNvPr id="5" name="Footer Placeholder 4">
             <a:extLst>
               <a:ext uri="{FF2B5EF4-FFF2-40B4-BE49-F238E27FC236}">
-                <a16:creationId xmlns:a16="http://schemas.microsoft.com/office/drawing/2014/main" id="{2D46B366-BD45-4E98-920E-21FD813405BC}"/>
+                <a16:creationId xmlns:a16="http://schemas.microsoft.com/office/drawing/2014/main" xmlns="" id="{2D46B366-BD45-4E98-920E-21FD813405BC}"/>
               </a:ext>
             </a:extLst>
           </p:cNvPr>
@@ -695,7 +700,7 @@
           <a:bodyPr/>
           <a:lstStyle/>
           <a:p>
-            <a:endParaRPr lang="LID4096"/>
+            <a:endParaRPr lang="x-none"/>
           </a:p>
         </p:txBody>
       </p:sp>
@@ -704,7 +709,7 @@
           <p:cNvPr id="6" name="Slide Number Placeholder 5">
             <a:extLst>
               <a:ext uri="{FF2B5EF4-FFF2-40B4-BE49-F238E27FC236}">
-                <a16:creationId xmlns:a16="http://schemas.microsoft.com/office/drawing/2014/main" id="{C89EA58C-6DE2-4BCF-B6F5-8EDDF9427E1D}"/>
+                <a16:creationId xmlns:a16="http://schemas.microsoft.com/office/drawing/2014/main" xmlns="" id="{C89EA58C-6DE2-4BCF-B6F5-8EDDF9427E1D}"/>
               </a:ext>
             </a:extLst>
           </p:cNvPr>
@@ -721,10 +726,10 @@
           <a:lstStyle/>
           <a:p>
             <a:fld id="{AD744F32-CD52-4F09-B406-6A843AE79C59}" type="slidenum">
-              <a:rPr lang="LID4096" smtClean="0"/>
+              <a:rPr lang="x-none" smtClean="0"/>
               <a:t>‹#›</a:t>
             </a:fld>
-            <a:endParaRPr lang="LID4096"/>
+            <a:endParaRPr lang="x-none"/>
           </a:p>
         </p:txBody>
       </p:sp>
@@ -763,7 +768,7 @@
           <p:cNvPr id="2" name="Title 1">
             <a:extLst>
               <a:ext uri="{FF2B5EF4-FFF2-40B4-BE49-F238E27FC236}">
-                <a16:creationId xmlns:a16="http://schemas.microsoft.com/office/drawing/2014/main" id="{919FE7BC-BE6D-4926-915B-7FEEA2680644}"/>
+                <a16:creationId xmlns:a16="http://schemas.microsoft.com/office/drawing/2014/main" xmlns="" id="{919FE7BC-BE6D-4926-915B-7FEEA2680644}"/>
               </a:ext>
             </a:extLst>
           </p:cNvPr>
@@ -783,7 +788,7 @@
               <a:rPr lang="en-US"/>
               <a:t>Click to edit Master title style</a:t>
             </a:r>
-            <a:endParaRPr lang="LID4096"/>
+            <a:endParaRPr lang="x-none"/>
           </a:p>
         </p:txBody>
       </p:sp>
@@ -792,7 +797,7 @@
           <p:cNvPr id="3" name="Content Placeholder 2">
             <a:extLst>
               <a:ext uri="{FF2B5EF4-FFF2-40B4-BE49-F238E27FC236}">
-                <a16:creationId xmlns:a16="http://schemas.microsoft.com/office/drawing/2014/main" id="{76F42EE9-1AA1-4715-8EE5-1223841C823E}"/>
+                <a16:creationId xmlns:a16="http://schemas.microsoft.com/office/drawing/2014/main" xmlns="" id="{76F42EE9-1AA1-4715-8EE5-1223841C823E}"/>
               </a:ext>
             </a:extLst>
           </p:cNvPr>
@@ -841,7 +846,7 @@
               <a:rPr lang="en-US"/>
               <a:t>Fifth level</a:t>
             </a:r>
-            <a:endParaRPr lang="LID4096"/>
+            <a:endParaRPr lang="x-none"/>
           </a:p>
         </p:txBody>
       </p:sp>
@@ -850,7 +855,7 @@
           <p:cNvPr id="4" name="Date Placeholder 3">
             <a:extLst>
               <a:ext uri="{FF2B5EF4-FFF2-40B4-BE49-F238E27FC236}">
-                <a16:creationId xmlns:a16="http://schemas.microsoft.com/office/drawing/2014/main" id="{68284DC8-BD08-4127-A7DD-6D4C6849F1FC}"/>
+                <a16:creationId xmlns:a16="http://schemas.microsoft.com/office/drawing/2014/main" xmlns="" id="{68284DC8-BD08-4127-A7DD-6D4C6849F1FC}"/>
               </a:ext>
             </a:extLst>
           </p:cNvPr>
@@ -867,10 +872,10 @@
           <a:lstStyle/>
           <a:p>
             <a:fld id="{1CF0D63C-64AB-4670-9284-9B2265A09BBB}" type="datetimeFigureOut">
-              <a:rPr lang="LID4096" smtClean="0"/>
-              <a:t>02/20/2020</a:t>
+              <a:rPr lang="x-none" smtClean="0"/>
+              <a:t>20-Feb-20</a:t>
             </a:fld>
-            <a:endParaRPr lang="LID4096"/>
+            <a:endParaRPr lang="x-none"/>
           </a:p>
         </p:txBody>
       </p:sp>
@@ -879,7 +884,7 @@
           <p:cNvPr id="5" name="Footer Placeholder 4">
             <a:extLst>
               <a:ext uri="{FF2B5EF4-FFF2-40B4-BE49-F238E27FC236}">
-                <a16:creationId xmlns:a16="http://schemas.microsoft.com/office/drawing/2014/main" id="{68EC01FE-FC41-49ED-A99F-63BCDA167668}"/>
+                <a16:creationId xmlns:a16="http://schemas.microsoft.com/office/drawing/2014/main" xmlns="" id="{68EC01FE-FC41-49ED-A99F-63BCDA167668}"/>
               </a:ext>
             </a:extLst>
           </p:cNvPr>
@@ -895,7 +900,7 @@
           <a:bodyPr/>
           <a:lstStyle/>
           <a:p>
-            <a:endParaRPr lang="LID4096"/>
+            <a:endParaRPr lang="x-none"/>
           </a:p>
         </p:txBody>
       </p:sp>
@@ -904,7 +909,7 @@
           <p:cNvPr id="6" name="Slide Number Placeholder 5">
             <a:extLst>
               <a:ext uri="{FF2B5EF4-FFF2-40B4-BE49-F238E27FC236}">
-                <a16:creationId xmlns:a16="http://schemas.microsoft.com/office/drawing/2014/main" id="{CB316A43-D84F-4152-9420-26A854AE0368}"/>
+                <a16:creationId xmlns:a16="http://schemas.microsoft.com/office/drawing/2014/main" xmlns="" id="{CB316A43-D84F-4152-9420-26A854AE0368}"/>
               </a:ext>
             </a:extLst>
           </p:cNvPr>
@@ -921,10 +926,10 @@
           <a:lstStyle/>
           <a:p>
             <a:fld id="{AD744F32-CD52-4F09-B406-6A843AE79C59}" type="slidenum">
-              <a:rPr lang="LID4096" smtClean="0"/>
+              <a:rPr lang="x-none" smtClean="0"/>
               <a:t>‹#›</a:t>
             </a:fld>
-            <a:endParaRPr lang="LID4096"/>
+            <a:endParaRPr lang="x-none"/>
           </a:p>
         </p:txBody>
       </p:sp>
@@ -963,7 +968,7 @@
           <p:cNvPr id="2" name="Title 1">
             <a:extLst>
               <a:ext uri="{FF2B5EF4-FFF2-40B4-BE49-F238E27FC236}">
-                <a16:creationId xmlns:a16="http://schemas.microsoft.com/office/drawing/2014/main" id="{60F659A4-7071-4AF3-92B6-505B24857913}"/>
+                <a16:creationId xmlns:a16="http://schemas.microsoft.com/office/drawing/2014/main" xmlns="" id="{60F659A4-7071-4AF3-92B6-505B24857913}"/>
               </a:ext>
             </a:extLst>
           </p:cNvPr>
@@ -992,7 +997,7 @@
               <a:rPr lang="en-US"/>
               <a:t>Click to edit Master title style</a:t>
             </a:r>
-            <a:endParaRPr lang="LID4096"/>
+            <a:endParaRPr lang="x-none"/>
           </a:p>
         </p:txBody>
       </p:sp>
@@ -1001,7 +1006,7 @@
           <p:cNvPr id="3" name="Text Placeholder 2">
             <a:extLst>
               <a:ext uri="{FF2B5EF4-FFF2-40B4-BE49-F238E27FC236}">
-                <a16:creationId xmlns:a16="http://schemas.microsoft.com/office/drawing/2014/main" id="{056C109D-99F0-4810-A2CC-D8476A8875E9}"/>
+                <a16:creationId xmlns:a16="http://schemas.microsoft.com/office/drawing/2014/main" xmlns="" id="{056C109D-99F0-4810-A2CC-D8476A8875E9}"/>
               </a:ext>
             </a:extLst>
           </p:cNvPr>
@@ -1126,7 +1131,7 @@
           <p:cNvPr id="4" name="Date Placeholder 3">
             <a:extLst>
               <a:ext uri="{FF2B5EF4-FFF2-40B4-BE49-F238E27FC236}">
-                <a16:creationId xmlns:a16="http://schemas.microsoft.com/office/drawing/2014/main" id="{CEBFEC6C-0556-4643-A3B4-15BE196D199C}"/>
+                <a16:creationId xmlns:a16="http://schemas.microsoft.com/office/drawing/2014/main" xmlns="" id="{CEBFEC6C-0556-4643-A3B4-15BE196D199C}"/>
               </a:ext>
             </a:extLst>
           </p:cNvPr>
@@ -1143,10 +1148,10 @@
           <a:lstStyle/>
           <a:p>
             <a:fld id="{1CF0D63C-64AB-4670-9284-9B2265A09BBB}" type="datetimeFigureOut">
-              <a:rPr lang="LID4096" smtClean="0"/>
-              <a:t>02/20/2020</a:t>
+              <a:rPr lang="x-none" smtClean="0"/>
+              <a:t>20-Feb-20</a:t>
             </a:fld>
-            <a:endParaRPr lang="LID4096"/>
+            <a:endParaRPr lang="x-none"/>
           </a:p>
         </p:txBody>
       </p:sp>
@@ -1155,7 +1160,7 @@
           <p:cNvPr id="5" name="Footer Placeholder 4">
             <a:extLst>
               <a:ext uri="{FF2B5EF4-FFF2-40B4-BE49-F238E27FC236}">
-                <a16:creationId xmlns:a16="http://schemas.microsoft.com/office/drawing/2014/main" id="{18CCB8AC-CDA4-47A8-81DF-20775FE4FCF8}"/>
+                <a16:creationId xmlns:a16="http://schemas.microsoft.com/office/drawing/2014/main" xmlns="" id="{18CCB8AC-CDA4-47A8-81DF-20775FE4FCF8}"/>
               </a:ext>
             </a:extLst>
           </p:cNvPr>
@@ -1171,7 +1176,7 @@
           <a:bodyPr/>
           <a:lstStyle/>
           <a:p>
-            <a:endParaRPr lang="LID4096"/>
+            <a:endParaRPr lang="x-none"/>
           </a:p>
         </p:txBody>
       </p:sp>
@@ -1180,7 +1185,7 @@
           <p:cNvPr id="6" name="Slide Number Placeholder 5">
             <a:extLst>
               <a:ext uri="{FF2B5EF4-FFF2-40B4-BE49-F238E27FC236}">
-                <a16:creationId xmlns:a16="http://schemas.microsoft.com/office/drawing/2014/main" id="{3CF5F28C-36B7-4D0E-B88A-80B3DE8E7B38}"/>
+                <a16:creationId xmlns:a16="http://schemas.microsoft.com/office/drawing/2014/main" xmlns="" id="{3CF5F28C-36B7-4D0E-B88A-80B3DE8E7B38}"/>
               </a:ext>
             </a:extLst>
           </p:cNvPr>
@@ -1197,10 +1202,10 @@
           <a:lstStyle/>
           <a:p>
             <a:fld id="{AD744F32-CD52-4F09-B406-6A843AE79C59}" type="slidenum">
-              <a:rPr lang="LID4096" smtClean="0"/>
+              <a:rPr lang="x-none" smtClean="0"/>
               <a:t>‹#›</a:t>
             </a:fld>
-            <a:endParaRPr lang="LID4096"/>
+            <a:endParaRPr lang="x-none"/>
           </a:p>
         </p:txBody>
       </p:sp>
@@ -1239,7 +1244,7 @@
           <p:cNvPr id="2" name="Title 1">
             <a:extLst>
               <a:ext uri="{FF2B5EF4-FFF2-40B4-BE49-F238E27FC236}">
-                <a16:creationId xmlns:a16="http://schemas.microsoft.com/office/drawing/2014/main" id="{123FB791-0815-48CF-8631-A528DE6085AE}"/>
+                <a16:creationId xmlns:a16="http://schemas.microsoft.com/office/drawing/2014/main" xmlns="" id="{123FB791-0815-48CF-8631-A528DE6085AE}"/>
               </a:ext>
             </a:extLst>
           </p:cNvPr>
@@ -1259,7 +1264,7 @@
               <a:rPr lang="en-US"/>
               <a:t>Click to edit Master title style</a:t>
             </a:r>
-            <a:endParaRPr lang="LID4096"/>
+            <a:endParaRPr lang="x-none"/>
           </a:p>
         </p:txBody>
       </p:sp>
@@ -1268,7 +1273,7 @@
           <p:cNvPr id="3" name="Content Placeholder 2">
             <a:extLst>
               <a:ext uri="{FF2B5EF4-FFF2-40B4-BE49-F238E27FC236}">
-                <a16:creationId xmlns:a16="http://schemas.microsoft.com/office/drawing/2014/main" id="{E67AAD96-1779-4AD1-AC88-A83F237CCFE4}"/>
+                <a16:creationId xmlns:a16="http://schemas.microsoft.com/office/drawing/2014/main" xmlns="" id="{E67AAD96-1779-4AD1-AC88-A83F237CCFE4}"/>
               </a:ext>
             </a:extLst>
           </p:cNvPr>
@@ -1322,7 +1327,7 @@
               <a:rPr lang="en-US"/>
               <a:t>Fifth level</a:t>
             </a:r>
-            <a:endParaRPr lang="LID4096"/>
+            <a:endParaRPr lang="x-none"/>
           </a:p>
         </p:txBody>
       </p:sp>
@@ -1331,7 +1336,7 @@
           <p:cNvPr id="4" name="Content Placeholder 3">
             <a:extLst>
               <a:ext uri="{FF2B5EF4-FFF2-40B4-BE49-F238E27FC236}">
-                <a16:creationId xmlns:a16="http://schemas.microsoft.com/office/drawing/2014/main" id="{8F8458CF-9F31-4FB0-86D9-AACF981E05EE}"/>
+                <a16:creationId xmlns:a16="http://schemas.microsoft.com/office/drawing/2014/main" xmlns="" id="{8F8458CF-9F31-4FB0-86D9-AACF981E05EE}"/>
               </a:ext>
             </a:extLst>
           </p:cNvPr>
@@ -1385,7 +1390,7 @@
               <a:rPr lang="en-US"/>
               <a:t>Fifth level</a:t>
             </a:r>
-            <a:endParaRPr lang="LID4096"/>
+            <a:endParaRPr lang="x-none"/>
           </a:p>
         </p:txBody>
       </p:sp>
@@ -1394,7 +1399,7 @@
           <p:cNvPr id="5" name="Date Placeholder 4">
             <a:extLst>
               <a:ext uri="{FF2B5EF4-FFF2-40B4-BE49-F238E27FC236}">
-                <a16:creationId xmlns:a16="http://schemas.microsoft.com/office/drawing/2014/main" id="{576A6ABB-94CB-44E4-9AB3-BBFB20E66AB4}"/>
+                <a16:creationId xmlns:a16="http://schemas.microsoft.com/office/drawing/2014/main" xmlns="" id="{576A6ABB-94CB-44E4-9AB3-BBFB20E66AB4}"/>
               </a:ext>
             </a:extLst>
           </p:cNvPr>
@@ -1411,10 +1416,10 @@
           <a:lstStyle/>
           <a:p>
             <a:fld id="{1CF0D63C-64AB-4670-9284-9B2265A09BBB}" type="datetimeFigureOut">
-              <a:rPr lang="LID4096" smtClean="0"/>
-              <a:t>02/20/2020</a:t>
+              <a:rPr lang="x-none" smtClean="0"/>
+              <a:t>20-Feb-20</a:t>
             </a:fld>
-            <a:endParaRPr lang="LID4096"/>
+            <a:endParaRPr lang="x-none"/>
           </a:p>
         </p:txBody>
       </p:sp>
@@ -1423,7 +1428,7 @@
           <p:cNvPr id="6" name="Footer Placeholder 5">
             <a:extLst>
               <a:ext uri="{FF2B5EF4-FFF2-40B4-BE49-F238E27FC236}">
-                <a16:creationId xmlns:a16="http://schemas.microsoft.com/office/drawing/2014/main" id="{E9F8FF8F-BC65-42C6-9792-A3A26417EE13}"/>
+                <a16:creationId xmlns:a16="http://schemas.microsoft.com/office/drawing/2014/main" xmlns="" id="{E9F8FF8F-BC65-42C6-9792-A3A26417EE13}"/>
               </a:ext>
             </a:extLst>
           </p:cNvPr>
@@ -1439,7 +1444,7 @@
           <a:bodyPr/>
           <a:lstStyle/>
           <a:p>
-            <a:endParaRPr lang="LID4096"/>
+            <a:endParaRPr lang="x-none"/>
           </a:p>
         </p:txBody>
       </p:sp>
@@ -1448,7 +1453,7 @@
           <p:cNvPr id="7" name="Slide Number Placeholder 6">
             <a:extLst>
               <a:ext uri="{FF2B5EF4-FFF2-40B4-BE49-F238E27FC236}">
-                <a16:creationId xmlns:a16="http://schemas.microsoft.com/office/drawing/2014/main" id="{EC837586-8809-4FEB-A4F2-36259C4C7AE7}"/>
+                <a16:creationId xmlns:a16="http://schemas.microsoft.com/office/drawing/2014/main" xmlns="" id="{EC837586-8809-4FEB-A4F2-36259C4C7AE7}"/>
               </a:ext>
             </a:extLst>
           </p:cNvPr>
@@ -1465,10 +1470,10 @@
           <a:lstStyle/>
           <a:p>
             <a:fld id="{AD744F32-CD52-4F09-B406-6A843AE79C59}" type="slidenum">
-              <a:rPr lang="LID4096" smtClean="0"/>
+              <a:rPr lang="x-none" smtClean="0"/>
               <a:t>‹#›</a:t>
             </a:fld>
-            <a:endParaRPr lang="LID4096"/>
+            <a:endParaRPr lang="x-none"/>
           </a:p>
         </p:txBody>
       </p:sp>
@@ -1507,7 +1512,7 @@
           <p:cNvPr id="2" name="Title 1">
             <a:extLst>
               <a:ext uri="{FF2B5EF4-FFF2-40B4-BE49-F238E27FC236}">
-                <a16:creationId xmlns:a16="http://schemas.microsoft.com/office/drawing/2014/main" id="{0DED7B36-108E-431E-9248-059047B9456E}"/>
+                <a16:creationId xmlns:a16="http://schemas.microsoft.com/office/drawing/2014/main" xmlns="" id="{0DED7B36-108E-431E-9248-059047B9456E}"/>
               </a:ext>
             </a:extLst>
           </p:cNvPr>
@@ -1532,7 +1537,7 @@
               <a:rPr lang="en-US"/>
               <a:t>Click to edit Master title style</a:t>
             </a:r>
-            <a:endParaRPr lang="LID4096"/>
+            <a:endParaRPr lang="x-none"/>
           </a:p>
         </p:txBody>
       </p:sp>
@@ -1541,7 +1546,7 @@
           <p:cNvPr id="3" name="Text Placeholder 2">
             <a:extLst>
               <a:ext uri="{FF2B5EF4-FFF2-40B4-BE49-F238E27FC236}">
-                <a16:creationId xmlns:a16="http://schemas.microsoft.com/office/drawing/2014/main" id="{05D38A62-03A3-4FAC-A194-B127FFFE8E98}"/>
+                <a16:creationId xmlns:a16="http://schemas.microsoft.com/office/drawing/2014/main" xmlns="" id="{05D38A62-03A3-4FAC-A194-B127FFFE8E98}"/>
               </a:ext>
             </a:extLst>
           </p:cNvPr>
@@ -1612,7 +1617,7 @@
           <p:cNvPr id="4" name="Content Placeholder 3">
             <a:extLst>
               <a:ext uri="{FF2B5EF4-FFF2-40B4-BE49-F238E27FC236}">
-                <a16:creationId xmlns:a16="http://schemas.microsoft.com/office/drawing/2014/main" id="{97A6CA7C-862E-4486-85C1-2F23569BA58E}"/>
+                <a16:creationId xmlns:a16="http://schemas.microsoft.com/office/drawing/2014/main" xmlns="" id="{97A6CA7C-862E-4486-85C1-2F23569BA58E}"/>
               </a:ext>
             </a:extLst>
           </p:cNvPr>
@@ -1666,7 +1671,7 @@
               <a:rPr lang="en-US"/>
               <a:t>Fifth level</a:t>
             </a:r>
-            <a:endParaRPr lang="LID4096"/>
+            <a:endParaRPr lang="x-none"/>
           </a:p>
         </p:txBody>
       </p:sp>
@@ -1675,7 +1680,7 @@
           <p:cNvPr id="5" name="Text Placeholder 4">
             <a:extLst>
               <a:ext uri="{FF2B5EF4-FFF2-40B4-BE49-F238E27FC236}">
-                <a16:creationId xmlns:a16="http://schemas.microsoft.com/office/drawing/2014/main" id="{B2666E10-B9DB-4177-AF3E-73E03D5F0388}"/>
+                <a16:creationId xmlns:a16="http://schemas.microsoft.com/office/drawing/2014/main" xmlns="" id="{B2666E10-B9DB-4177-AF3E-73E03D5F0388}"/>
               </a:ext>
             </a:extLst>
           </p:cNvPr>
@@ -1746,7 +1751,7 @@
           <p:cNvPr id="6" name="Content Placeholder 5">
             <a:extLst>
               <a:ext uri="{FF2B5EF4-FFF2-40B4-BE49-F238E27FC236}">
-                <a16:creationId xmlns:a16="http://schemas.microsoft.com/office/drawing/2014/main" id="{D3D7E26A-1313-4ADA-BA7C-23D5F52AD597}"/>
+                <a16:creationId xmlns:a16="http://schemas.microsoft.com/office/drawing/2014/main" xmlns="" id="{D3D7E26A-1313-4ADA-BA7C-23D5F52AD597}"/>
               </a:ext>
             </a:extLst>
           </p:cNvPr>
@@ -1800,7 +1805,7 @@
               <a:rPr lang="en-US"/>
               <a:t>Fifth level</a:t>
             </a:r>
-            <a:endParaRPr lang="LID4096"/>
+            <a:endParaRPr lang="x-none"/>
           </a:p>
         </p:txBody>
       </p:sp>
@@ -1809,7 +1814,7 @@
           <p:cNvPr id="7" name="Date Placeholder 6">
             <a:extLst>
               <a:ext uri="{FF2B5EF4-FFF2-40B4-BE49-F238E27FC236}">
-                <a16:creationId xmlns:a16="http://schemas.microsoft.com/office/drawing/2014/main" id="{CD20A3DE-DD62-40A6-8C97-63551F2DCD36}"/>
+                <a16:creationId xmlns:a16="http://schemas.microsoft.com/office/drawing/2014/main" xmlns="" id="{CD20A3DE-DD62-40A6-8C97-63551F2DCD36}"/>
               </a:ext>
             </a:extLst>
           </p:cNvPr>
@@ -1826,10 +1831,10 @@
           <a:lstStyle/>
           <a:p>
             <a:fld id="{1CF0D63C-64AB-4670-9284-9B2265A09BBB}" type="datetimeFigureOut">
-              <a:rPr lang="LID4096" smtClean="0"/>
-              <a:t>02/20/2020</a:t>
+              <a:rPr lang="x-none" smtClean="0"/>
+              <a:t>20-Feb-20</a:t>
             </a:fld>
-            <a:endParaRPr lang="LID4096"/>
+            <a:endParaRPr lang="x-none"/>
           </a:p>
         </p:txBody>
       </p:sp>
@@ -1838,7 +1843,7 @@
           <p:cNvPr id="8" name="Footer Placeholder 7">
             <a:extLst>
               <a:ext uri="{FF2B5EF4-FFF2-40B4-BE49-F238E27FC236}">
-                <a16:creationId xmlns:a16="http://schemas.microsoft.com/office/drawing/2014/main" id="{C8E22BDA-4099-4827-930F-E763ECA6FF40}"/>
+                <a16:creationId xmlns:a16="http://schemas.microsoft.com/office/drawing/2014/main" xmlns="" id="{C8E22BDA-4099-4827-930F-E763ECA6FF40}"/>
               </a:ext>
             </a:extLst>
           </p:cNvPr>
@@ -1854,7 +1859,7 @@
           <a:bodyPr/>
           <a:lstStyle/>
           <a:p>
-            <a:endParaRPr lang="LID4096"/>
+            <a:endParaRPr lang="x-none"/>
           </a:p>
         </p:txBody>
       </p:sp>
@@ -1863,7 +1868,7 @@
           <p:cNvPr id="9" name="Slide Number Placeholder 8">
             <a:extLst>
               <a:ext uri="{FF2B5EF4-FFF2-40B4-BE49-F238E27FC236}">
-                <a16:creationId xmlns:a16="http://schemas.microsoft.com/office/drawing/2014/main" id="{E062C775-37FE-4867-9AAA-19C673127AA2}"/>
+                <a16:creationId xmlns:a16="http://schemas.microsoft.com/office/drawing/2014/main" xmlns="" id="{E062C775-37FE-4867-9AAA-19C673127AA2}"/>
               </a:ext>
             </a:extLst>
           </p:cNvPr>
@@ -1880,10 +1885,10 @@
           <a:lstStyle/>
           <a:p>
             <a:fld id="{AD744F32-CD52-4F09-B406-6A843AE79C59}" type="slidenum">
-              <a:rPr lang="LID4096" smtClean="0"/>
+              <a:rPr lang="x-none" smtClean="0"/>
               <a:t>‹#›</a:t>
             </a:fld>
-            <a:endParaRPr lang="LID4096"/>
+            <a:endParaRPr lang="x-none"/>
           </a:p>
         </p:txBody>
       </p:sp>
@@ -1922,7 +1927,7 @@
           <p:cNvPr id="2" name="Title 1">
             <a:extLst>
               <a:ext uri="{FF2B5EF4-FFF2-40B4-BE49-F238E27FC236}">
-                <a16:creationId xmlns:a16="http://schemas.microsoft.com/office/drawing/2014/main" id="{1947268F-1B57-438C-8E07-29A621D5DA97}"/>
+                <a16:creationId xmlns:a16="http://schemas.microsoft.com/office/drawing/2014/main" xmlns="" id="{1947268F-1B57-438C-8E07-29A621D5DA97}"/>
               </a:ext>
             </a:extLst>
           </p:cNvPr>
@@ -1942,7 +1947,7 @@
               <a:rPr lang="en-US"/>
               <a:t>Click to edit Master title style</a:t>
             </a:r>
-            <a:endParaRPr lang="LID4096"/>
+            <a:endParaRPr lang="x-none"/>
           </a:p>
         </p:txBody>
       </p:sp>
@@ -1951,7 +1956,7 @@
           <p:cNvPr id="3" name="Date Placeholder 2">
             <a:extLst>
               <a:ext uri="{FF2B5EF4-FFF2-40B4-BE49-F238E27FC236}">
-                <a16:creationId xmlns:a16="http://schemas.microsoft.com/office/drawing/2014/main" id="{2B36D6FE-9A91-424A-8C51-2BE6A0922EF7}"/>
+                <a16:creationId xmlns:a16="http://schemas.microsoft.com/office/drawing/2014/main" xmlns="" id="{2B36D6FE-9A91-424A-8C51-2BE6A0922EF7}"/>
               </a:ext>
             </a:extLst>
           </p:cNvPr>
@@ -1968,10 +1973,10 @@
           <a:lstStyle/>
           <a:p>
             <a:fld id="{1CF0D63C-64AB-4670-9284-9B2265A09BBB}" type="datetimeFigureOut">
-              <a:rPr lang="LID4096" smtClean="0"/>
-              <a:t>02/20/2020</a:t>
+              <a:rPr lang="x-none" smtClean="0"/>
+              <a:t>20-Feb-20</a:t>
             </a:fld>
-            <a:endParaRPr lang="LID4096"/>
+            <a:endParaRPr lang="x-none"/>
           </a:p>
         </p:txBody>
       </p:sp>
@@ -1980,7 +1985,7 @@
           <p:cNvPr id="4" name="Footer Placeholder 3">
             <a:extLst>
               <a:ext uri="{FF2B5EF4-FFF2-40B4-BE49-F238E27FC236}">
-                <a16:creationId xmlns:a16="http://schemas.microsoft.com/office/drawing/2014/main" id="{050B0A95-0855-45C4-BE5C-9BC6DBAAB298}"/>
+                <a16:creationId xmlns:a16="http://schemas.microsoft.com/office/drawing/2014/main" xmlns="" id="{050B0A95-0855-45C4-BE5C-9BC6DBAAB298}"/>
               </a:ext>
             </a:extLst>
           </p:cNvPr>
@@ -1996,7 +2001,7 @@
           <a:bodyPr/>
           <a:lstStyle/>
           <a:p>
-            <a:endParaRPr lang="LID4096"/>
+            <a:endParaRPr lang="x-none"/>
           </a:p>
         </p:txBody>
       </p:sp>
@@ -2005,7 +2010,7 @@
           <p:cNvPr id="5" name="Slide Number Placeholder 4">
             <a:extLst>
               <a:ext uri="{FF2B5EF4-FFF2-40B4-BE49-F238E27FC236}">
-                <a16:creationId xmlns:a16="http://schemas.microsoft.com/office/drawing/2014/main" id="{439C568F-3889-4985-A6C1-640D82EA7751}"/>
+                <a16:creationId xmlns:a16="http://schemas.microsoft.com/office/drawing/2014/main" xmlns="" id="{439C568F-3889-4985-A6C1-640D82EA7751}"/>
               </a:ext>
             </a:extLst>
           </p:cNvPr>
@@ -2022,10 +2027,10 @@
           <a:lstStyle/>
           <a:p>
             <a:fld id="{AD744F32-CD52-4F09-B406-6A843AE79C59}" type="slidenum">
-              <a:rPr lang="LID4096" smtClean="0"/>
+              <a:rPr lang="x-none" smtClean="0"/>
               <a:t>‹#›</a:t>
             </a:fld>
-            <a:endParaRPr lang="LID4096"/>
+            <a:endParaRPr lang="x-none"/>
           </a:p>
         </p:txBody>
       </p:sp>
@@ -2064,7 +2069,7 @@
           <p:cNvPr id="2" name="Date Placeholder 1">
             <a:extLst>
               <a:ext uri="{FF2B5EF4-FFF2-40B4-BE49-F238E27FC236}">
-                <a16:creationId xmlns:a16="http://schemas.microsoft.com/office/drawing/2014/main" id="{712957D3-3C9C-4FF7-90B8-6A52CD246143}"/>
+                <a16:creationId xmlns:a16="http://schemas.microsoft.com/office/drawing/2014/main" xmlns="" id="{712957D3-3C9C-4FF7-90B8-6A52CD246143}"/>
               </a:ext>
             </a:extLst>
           </p:cNvPr>
@@ -2081,10 +2086,10 @@
           <a:lstStyle/>
           <a:p>
             <a:fld id="{1CF0D63C-64AB-4670-9284-9B2265A09BBB}" type="datetimeFigureOut">
-              <a:rPr lang="LID4096" smtClean="0"/>
-              <a:t>02/20/2020</a:t>
+              <a:rPr lang="x-none" smtClean="0"/>
+              <a:t>20-Feb-20</a:t>
             </a:fld>
-            <a:endParaRPr lang="LID4096"/>
+            <a:endParaRPr lang="x-none"/>
           </a:p>
         </p:txBody>
       </p:sp>
@@ -2093,7 +2098,7 @@
           <p:cNvPr id="3" name="Footer Placeholder 2">
             <a:extLst>
               <a:ext uri="{FF2B5EF4-FFF2-40B4-BE49-F238E27FC236}">
-                <a16:creationId xmlns:a16="http://schemas.microsoft.com/office/drawing/2014/main" id="{E42E0593-3583-4117-8130-25634C36C19B}"/>
+                <a16:creationId xmlns:a16="http://schemas.microsoft.com/office/drawing/2014/main" xmlns="" id="{E42E0593-3583-4117-8130-25634C36C19B}"/>
               </a:ext>
             </a:extLst>
           </p:cNvPr>
@@ -2109,7 +2114,7 @@
           <a:bodyPr/>
           <a:lstStyle/>
           <a:p>
-            <a:endParaRPr lang="LID4096"/>
+            <a:endParaRPr lang="x-none"/>
           </a:p>
         </p:txBody>
       </p:sp>
@@ -2118,7 +2123,7 @@
           <p:cNvPr id="4" name="Slide Number Placeholder 3">
             <a:extLst>
               <a:ext uri="{FF2B5EF4-FFF2-40B4-BE49-F238E27FC236}">
-                <a16:creationId xmlns:a16="http://schemas.microsoft.com/office/drawing/2014/main" id="{57CADB4D-170D-45B8-A465-B6143D8FECF7}"/>
+                <a16:creationId xmlns:a16="http://schemas.microsoft.com/office/drawing/2014/main" xmlns="" id="{57CADB4D-170D-45B8-A465-B6143D8FECF7}"/>
               </a:ext>
             </a:extLst>
           </p:cNvPr>
@@ -2135,10 +2140,10 @@
           <a:lstStyle/>
           <a:p>
             <a:fld id="{AD744F32-CD52-4F09-B406-6A843AE79C59}" type="slidenum">
-              <a:rPr lang="LID4096" smtClean="0"/>
+              <a:rPr lang="x-none" smtClean="0"/>
               <a:t>‹#›</a:t>
             </a:fld>
-            <a:endParaRPr lang="LID4096"/>
+            <a:endParaRPr lang="x-none"/>
           </a:p>
         </p:txBody>
       </p:sp>
@@ -2177,7 +2182,7 @@
           <p:cNvPr id="2" name="Title 1">
             <a:extLst>
               <a:ext uri="{FF2B5EF4-FFF2-40B4-BE49-F238E27FC236}">
-                <a16:creationId xmlns:a16="http://schemas.microsoft.com/office/drawing/2014/main" id="{04375E5F-B79B-41A7-98B0-506D58A76793}"/>
+                <a16:creationId xmlns:a16="http://schemas.microsoft.com/office/drawing/2014/main" xmlns="" id="{04375E5F-B79B-41A7-98B0-506D58A76793}"/>
               </a:ext>
             </a:extLst>
           </p:cNvPr>
@@ -2206,7 +2211,7 @@
               <a:rPr lang="en-US"/>
               <a:t>Click to edit Master title style</a:t>
             </a:r>
-            <a:endParaRPr lang="LID4096"/>
+            <a:endParaRPr lang="x-none"/>
           </a:p>
         </p:txBody>
       </p:sp>
@@ -2215,7 +2220,7 @@
           <p:cNvPr id="3" name="Content Placeholder 2">
             <a:extLst>
               <a:ext uri="{FF2B5EF4-FFF2-40B4-BE49-F238E27FC236}">
-                <a16:creationId xmlns:a16="http://schemas.microsoft.com/office/drawing/2014/main" id="{4C7429A1-1E75-4D49-B17F-11E65A690DE6}"/>
+                <a16:creationId xmlns:a16="http://schemas.microsoft.com/office/drawing/2014/main" xmlns="" id="{4C7429A1-1E75-4D49-B17F-11E65A690DE6}"/>
               </a:ext>
             </a:extLst>
           </p:cNvPr>
@@ -2297,7 +2302,7 @@
               <a:rPr lang="en-US"/>
               <a:t>Fifth level</a:t>
             </a:r>
-            <a:endParaRPr lang="LID4096"/>
+            <a:endParaRPr lang="x-none"/>
           </a:p>
         </p:txBody>
       </p:sp>
@@ -2306,7 +2311,7 @@
           <p:cNvPr id="4" name="Text Placeholder 3">
             <a:extLst>
               <a:ext uri="{FF2B5EF4-FFF2-40B4-BE49-F238E27FC236}">
-                <a16:creationId xmlns:a16="http://schemas.microsoft.com/office/drawing/2014/main" id="{1263EFA6-7008-4E0A-B0D3-E83FD9DFECFA}"/>
+                <a16:creationId xmlns:a16="http://schemas.microsoft.com/office/drawing/2014/main" xmlns="" id="{1263EFA6-7008-4E0A-B0D3-E83FD9DFECFA}"/>
               </a:ext>
             </a:extLst>
           </p:cNvPr>
@@ -2377,7 +2382,7 @@
           <p:cNvPr id="5" name="Date Placeholder 4">
             <a:extLst>
               <a:ext uri="{FF2B5EF4-FFF2-40B4-BE49-F238E27FC236}">
-                <a16:creationId xmlns:a16="http://schemas.microsoft.com/office/drawing/2014/main" id="{B957FBCA-400A-457F-A7FD-A0253F7CA8BE}"/>
+                <a16:creationId xmlns:a16="http://schemas.microsoft.com/office/drawing/2014/main" xmlns="" id="{B957FBCA-400A-457F-A7FD-A0253F7CA8BE}"/>
               </a:ext>
             </a:extLst>
           </p:cNvPr>
@@ -2394,10 +2399,10 @@
           <a:lstStyle/>
           <a:p>
             <a:fld id="{1CF0D63C-64AB-4670-9284-9B2265A09BBB}" type="datetimeFigureOut">
-              <a:rPr lang="LID4096" smtClean="0"/>
-              <a:t>02/20/2020</a:t>
+              <a:rPr lang="x-none" smtClean="0"/>
+              <a:t>20-Feb-20</a:t>
             </a:fld>
-            <a:endParaRPr lang="LID4096"/>
+            <a:endParaRPr lang="x-none"/>
           </a:p>
         </p:txBody>
       </p:sp>
@@ -2406,7 +2411,7 @@
           <p:cNvPr id="6" name="Footer Placeholder 5">
             <a:extLst>
               <a:ext uri="{FF2B5EF4-FFF2-40B4-BE49-F238E27FC236}">
-                <a16:creationId xmlns:a16="http://schemas.microsoft.com/office/drawing/2014/main" id="{3F22F5B2-3122-43C9-991E-FEC787EB61ED}"/>
+                <a16:creationId xmlns:a16="http://schemas.microsoft.com/office/drawing/2014/main" xmlns="" id="{3F22F5B2-3122-43C9-991E-FEC787EB61ED}"/>
               </a:ext>
             </a:extLst>
           </p:cNvPr>
@@ -2422,7 +2427,7 @@
           <a:bodyPr/>
           <a:lstStyle/>
           <a:p>
-            <a:endParaRPr lang="LID4096"/>
+            <a:endParaRPr lang="x-none"/>
           </a:p>
         </p:txBody>
       </p:sp>
@@ -2431,7 +2436,7 @@
           <p:cNvPr id="7" name="Slide Number Placeholder 6">
             <a:extLst>
               <a:ext uri="{FF2B5EF4-FFF2-40B4-BE49-F238E27FC236}">
-                <a16:creationId xmlns:a16="http://schemas.microsoft.com/office/drawing/2014/main" id="{1E75BADA-4AD8-4DE0-9793-59DDC8BA653D}"/>
+                <a16:creationId xmlns:a16="http://schemas.microsoft.com/office/drawing/2014/main" xmlns="" id="{1E75BADA-4AD8-4DE0-9793-59DDC8BA653D}"/>
               </a:ext>
             </a:extLst>
           </p:cNvPr>
@@ -2448,10 +2453,10 @@
           <a:lstStyle/>
           <a:p>
             <a:fld id="{AD744F32-CD52-4F09-B406-6A843AE79C59}" type="slidenum">
-              <a:rPr lang="LID4096" smtClean="0"/>
+              <a:rPr lang="x-none" smtClean="0"/>
               <a:t>‹#›</a:t>
             </a:fld>
-            <a:endParaRPr lang="LID4096"/>
+            <a:endParaRPr lang="x-none"/>
           </a:p>
         </p:txBody>
       </p:sp>
@@ -2490,7 +2495,7 @@
           <p:cNvPr id="2" name="Title 1">
             <a:extLst>
               <a:ext uri="{FF2B5EF4-FFF2-40B4-BE49-F238E27FC236}">
-                <a16:creationId xmlns:a16="http://schemas.microsoft.com/office/drawing/2014/main" id="{1FC3E110-0493-4836-8466-CB25C59778BD}"/>
+                <a16:creationId xmlns:a16="http://schemas.microsoft.com/office/drawing/2014/main" xmlns="" id="{1FC3E110-0493-4836-8466-CB25C59778BD}"/>
               </a:ext>
             </a:extLst>
           </p:cNvPr>
@@ -2519,7 +2524,7 @@
               <a:rPr lang="en-US"/>
               <a:t>Click to edit Master title style</a:t>
             </a:r>
-            <a:endParaRPr lang="LID4096"/>
+            <a:endParaRPr lang="x-none"/>
           </a:p>
         </p:txBody>
       </p:sp>
@@ -2528,7 +2533,7 @@
           <p:cNvPr id="3" name="Picture Placeholder 2">
             <a:extLst>
               <a:ext uri="{FF2B5EF4-FFF2-40B4-BE49-F238E27FC236}">
-                <a16:creationId xmlns:a16="http://schemas.microsoft.com/office/drawing/2014/main" id="{11186344-8957-4F21-82BF-03168ACDFF0D}"/>
+                <a16:creationId xmlns:a16="http://schemas.microsoft.com/office/drawing/2014/main" xmlns="" id="{11186344-8957-4F21-82BF-03168ACDFF0D}"/>
               </a:ext>
             </a:extLst>
           </p:cNvPr>
@@ -2586,7 +2591,7 @@
             </a:lvl9pPr>
           </a:lstStyle>
           <a:p>
-            <a:endParaRPr lang="LID4096"/>
+            <a:endParaRPr lang="x-none"/>
           </a:p>
         </p:txBody>
       </p:sp>
@@ -2595,7 +2600,7 @@
           <p:cNvPr id="4" name="Text Placeholder 3">
             <a:extLst>
               <a:ext uri="{FF2B5EF4-FFF2-40B4-BE49-F238E27FC236}">
-                <a16:creationId xmlns:a16="http://schemas.microsoft.com/office/drawing/2014/main" id="{0C64BC87-26D2-4101-91B4-A86C71BDD297}"/>
+                <a16:creationId xmlns:a16="http://schemas.microsoft.com/office/drawing/2014/main" xmlns="" id="{0C64BC87-26D2-4101-91B4-A86C71BDD297}"/>
               </a:ext>
             </a:extLst>
           </p:cNvPr>
@@ -2666,7 +2671,7 @@
           <p:cNvPr id="5" name="Date Placeholder 4">
             <a:extLst>
               <a:ext uri="{FF2B5EF4-FFF2-40B4-BE49-F238E27FC236}">
-                <a16:creationId xmlns:a16="http://schemas.microsoft.com/office/drawing/2014/main" id="{7F160C7C-6B4D-455B-8BE8-10E80C5F9923}"/>
+                <a16:creationId xmlns:a16="http://schemas.microsoft.com/office/drawing/2014/main" xmlns="" id="{7F160C7C-6B4D-455B-8BE8-10E80C5F9923}"/>
               </a:ext>
             </a:extLst>
           </p:cNvPr>
@@ -2683,10 +2688,10 @@
           <a:lstStyle/>
           <a:p>
             <a:fld id="{1CF0D63C-64AB-4670-9284-9B2265A09BBB}" type="datetimeFigureOut">
-              <a:rPr lang="LID4096" smtClean="0"/>
-              <a:t>02/20/2020</a:t>
+              <a:rPr lang="x-none" smtClean="0"/>
+              <a:t>20-Feb-20</a:t>
             </a:fld>
-            <a:endParaRPr lang="LID4096"/>
+            <a:endParaRPr lang="x-none"/>
           </a:p>
         </p:txBody>
       </p:sp>
@@ -2695,7 +2700,7 @@
           <p:cNvPr id="6" name="Footer Placeholder 5">
             <a:extLst>
               <a:ext uri="{FF2B5EF4-FFF2-40B4-BE49-F238E27FC236}">
-                <a16:creationId xmlns:a16="http://schemas.microsoft.com/office/drawing/2014/main" id="{EC5F3918-960F-4DC0-9346-C19939E121EB}"/>
+                <a16:creationId xmlns:a16="http://schemas.microsoft.com/office/drawing/2014/main" xmlns="" id="{EC5F3918-960F-4DC0-9346-C19939E121EB}"/>
               </a:ext>
             </a:extLst>
           </p:cNvPr>
@@ -2711,7 +2716,7 @@
           <a:bodyPr/>
           <a:lstStyle/>
           <a:p>
-            <a:endParaRPr lang="LID4096"/>
+            <a:endParaRPr lang="x-none"/>
           </a:p>
         </p:txBody>
       </p:sp>
@@ -2720,7 +2725,7 @@
           <p:cNvPr id="7" name="Slide Number Placeholder 6">
             <a:extLst>
               <a:ext uri="{FF2B5EF4-FFF2-40B4-BE49-F238E27FC236}">
-                <a16:creationId xmlns:a16="http://schemas.microsoft.com/office/drawing/2014/main" id="{4C508642-6B95-445A-A821-01BB334669EB}"/>
+                <a16:creationId xmlns:a16="http://schemas.microsoft.com/office/drawing/2014/main" xmlns="" id="{4C508642-6B95-445A-A821-01BB334669EB}"/>
               </a:ext>
             </a:extLst>
           </p:cNvPr>
@@ -2737,10 +2742,10 @@
           <a:lstStyle/>
           <a:p>
             <a:fld id="{AD744F32-CD52-4F09-B406-6A843AE79C59}" type="slidenum">
-              <a:rPr lang="LID4096" smtClean="0"/>
+              <a:rPr lang="x-none" smtClean="0"/>
               <a:t>‹#›</a:t>
             </a:fld>
-            <a:endParaRPr lang="LID4096"/>
+            <a:endParaRPr lang="x-none"/>
           </a:p>
         </p:txBody>
       </p:sp>
@@ -2784,7 +2789,7 @@
           <p:cNvPr id="2" name="Title Placeholder 1">
             <a:extLst>
               <a:ext uri="{FF2B5EF4-FFF2-40B4-BE49-F238E27FC236}">
-                <a16:creationId xmlns:a16="http://schemas.microsoft.com/office/drawing/2014/main" id="{E52D994F-7F80-4157-BC02-00FB79193602}"/>
+                <a16:creationId xmlns:a16="http://schemas.microsoft.com/office/drawing/2014/main" xmlns="" id="{E52D994F-7F80-4157-BC02-00FB79193602}"/>
               </a:ext>
             </a:extLst>
           </p:cNvPr>
@@ -2814,7 +2819,7 @@
               <a:rPr lang="en-US"/>
               <a:t>Click to edit Master title style</a:t>
             </a:r>
-            <a:endParaRPr lang="LID4096"/>
+            <a:endParaRPr lang="x-none"/>
           </a:p>
         </p:txBody>
       </p:sp>
@@ -2823,7 +2828,7 @@
           <p:cNvPr id="3" name="Text Placeholder 2">
             <a:extLst>
               <a:ext uri="{FF2B5EF4-FFF2-40B4-BE49-F238E27FC236}">
-                <a16:creationId xmlns:a16="http://schemas.microsoft.com/office/drawing/2014/main" id="{FAC9A5C2-1FE3-4BA4-BE2E-FD1BF8ABCEEC}"/>
+                <a16:creationId xmlns:a16="http://schemas.microsoft.com/office/drawing/2014/main" xmlns="" id="{FAC9A5C2-1FE3-4BA4-BE2E-FD1BF8ABCEEC}"/>
               </a:ext>
             </a:extLst>
           </p:cNvPr>
@@ -2882,7 +2887,7 @@
               <a:rPr lang="en-US"/>
               <a:t>Fifth level</a:t>
             </a:r>
-            <a:endParaRPr lang="LID4096"/>
+            <a:endParaRPr lang="x-none"/>
           </a:p>
         </p:txBody>
       </p:sp>
@@ -2891,7 +2896,7 @@
           <p:cNvPr id="4" name="Date Placeholder 3">
             <a:extLst>
               <a:ext uri="{FF2B5EF4-FFF2-40B4-BE49-F238E27FC236}">
-                <a16:creationId xmlns:a16="http://schemas.microsoft.com/office/drawing/2014/main" id="{9DF078B7-B9CF-4811-A37E-3E38F20E1F6B}"/>
+                <a16:creationId xmlns:a16="http://schemas.microsoft.com/office/drawing/2014/main" xmlns="" id="{9DF078B7-B9CF-4811-A37E-3E38F20E1F6B}"/>
               </a:ext>
             </a:extLst>
           </p:cNvPr>
@@ -2926,10 +2931,10 @@
           </a:lstStyle>
           <a:p>
             <a:fld id="{1CF0D63C-64AB-4670-9284-9B2265A09BBB}" type="datetimeFigureOut">
-              <a:rPr lang="LID4096" smtClean="0"/>
-              <a:t>02/20/2020</a:t>
+              <a:rPr lang="x-none" smtClean="0"/>
+              <a:t>20-Feb-20</a:t>
             </a:fld>
-            <a:endParaRPr lang="LID4096"/>
+            <a:endParaRPr lang="x-none"/>
           </a:p>
         </p:txBody>
       </p:sp>
@@ -2938,7 +2943,7 @@
           <p:cNvPr id="5" name="Footer Placeholder 4">
             <a:extLst>
               <a:ext uri="{FF2B5EF4-FFF2-40B4-BE49-F238E27FC236}">
-                <a16:creationId xmlns:a16="http://schemas.microsoft.com/office/drawing/2014/main" id="{CD95B2DA-4EDA-4D5C-AE6E-0FD64116A6CB}"/>
+                <a16:creationId xmlns:a16="http://schemas.microsoft.com/office/drawing/2014/main" xmlns="" id="{CD95B2DA-4EDA-4D5C-AE6E-0FD64116A6CB}"/>
               </a:ext>
             </a:extLst>
           </p:cNvPr>
@@ -2972,7 +2977,7 @@
             </a:lvl1pPr>
           </a:lstStyle>
           <a:p>
-            <a:endParaRPr lang="LID4096"/>
+            <a:endParaRPr lang="x-none"/>
           </a:p>
         </p:txBody>
       </p:sp>
@@ -2981,7 +2986,7 @@
           <p:cNvPr id="6" name="Slide Number Placeholder 5">
             <a:extLst>
               <a:ext uri="{FF2B5EF4-FFF2-40B4-BE49-F238E27FC236}">
-                <a16:creationId xmlns:a16="http://schemas.microsoft.com/office/drawing/2014/main" id="{3EDD2D5B-227D-4FA5-B1B9-7DDDB04B6CD8}"/>
+                <a16:creationId xmlns:a16="http://schemas.microsoft.com/office/drawing/2014/main" xmlns="" id="{3EDD2D5B-227D-4FA5-B1B9-7DDDB04B6CD8}"/>
               </a:ext>
             </a:extLst>
           </p:cNvPr>
@@ -3016,10 +3021,10 @@
           </a:lstStyle>
           <a:p>
             <a:fld id="{AD744F32-CD52-4F09-B406-6A843AE79C59}" type="slidenum">
-              <a:rPr lang="LID4096" smtClean="0"/>
+              <a:rPr lang="x-none" smtClean="0"/>
               <a:t>‹#›</a:t>
             </a:fld>
-            <a:endParaRPr lang="LID4096"/>
+            <a:endParaRPr lang="x-none"/>
           </a:p>
         </p:txBody>
       </p:sp>
@@ -3230,7 +3235,7 @@
     </p:bodyStyle>
     <p:otherStyle>
       <a:defPPr>
-        <a:defRPr lang="LID4096"/>
+        <a:defRPr lang="x-none"/>
       </a:defPPr>
       <a:lvl1pPr marL="0" algn="l" defTabSz="914400" rtl="0" eaLnBrk="1" latinLnBrk="0" hangingPunct="1">
         <a:defRPr sz="1800" kern="1200">
@@ -3357,7 +3362,7 @@
           <p:cNvPr id="5" name="Picture 4" descr="A picture containing drawing&#10;&#10;Description automatically generated">
             <a:extLst>
               <a:ext uri="{FF2B5EF4-FFF2-40B4-BE49-F238E27FC236}">
-                <a16:creationId xmlns:a16="http://schemas.microsoft.com/office/drawing/2014/main" id="{35A9CE0B-4549-4732-8913-A9F14DE26FFE}"/>
+                <a16:creationId xmlns:a16="http://schemas.microsoft.com/office/drawing/2014/main" xmlns="" id="{35A9CE0B-4549-4732-8913-A9F14DE26FFE}"/>
               </a:ext>
             </a:extLst>
           </p:cNvPr>
@@ -3379,7 +3384,7 @@
         </p:blipFill>
         <p:spPr>
           <a:xfrm>
-            <a:off x="20" y="10"/>
+            <a:off x="20" y="200307"/>
             <a:ext cx="12191980" cy="6857990"/>
           </a:xfrm>
           <a:prstGeom prst="rect">
@@ -3387,268 +3392,6 @@
           </a:prstGeom>
         </p:spPr>
       </p:pic>
-      <p:sp>
-        <p:nvSpPr>
-          <p:cNvPr id="10" name="Freeform 5">
-            <a:extLst>
-              <a:ext uri="{FF2B5EF4-FFF2-40B4-BE49-F238E27FC236}">
-                <a16:creationId xmlns:a16="http://schemas.microsoft.com/office/drawing/2014/main" id="{87CC2527-562A-4F69-B487-4371E5B243E7}"/>
-              </a:ext>
-              <a:ext uri="{C183D7F6-B498-43B3-948B-1728B52AA6E4}">
-                <adec:decorative xmlns:adec="http://schemas.microsoft.com/office/drawing/2017/decorative" val="1"/>
-              </a:ext>
-            </a:extLst>
-          </p:cNvPr>
-          <p:cNvSpPr>
-            <a:spLocks noGrp="1" noRot="1" noChangeAspect="1" noMove="1" noResize="1" noEditPoints="1" noAdjustHandles="1" noChangeArrowheads="1" noChangeShapeType="1" noTextEdit="1"/>
-          </p:cNvSpPr>
-          <p:nvPr>
-            <p:extLst>
-              <p:ext uri="{386F3935-93C4-4BCD-93E2-E3B085C9AB24}">
-                <p16:designElem xmlns:p16="http://schemas.microsoft.com/office/powerpoint/2015/main" val="1"/>
-              </p:ext>
-            </p:extLst>
-          </p:nvPr>
-        </p:nvSpPr>
-        <p:spPr bwMode="grayWhite">
-          <a:xfrm>
-            <a:off x="7488621" y="2277613"/>
-            <a:ext cx="4703379" cy="4580387"/>
-          </a:xfrm>
-          <a:custGeom>
-            <a:avLst/>
-            <a:gdLst>
-              <a:gd name="T0" fmla="*/ 1333 w 1333"/>
-              <a:gd name="T1" fmla="*/ 1031 h 1298"/>
-              <a:gd name="T2" fmla="*/ 1333 w 1333"/>
-              <a:gd name="T3" fmla="*/ 380 h 1298"/>
-              <a:gd name="T4" fmla="*/ 706 w 1333"/>
-              <a:gd name="T5" fmla="*/ 0 h 1298"/>
-              <a:gd name="T6" fmla="*/ 0 w 1333"/>
-              <a:gd name="T7" fmla="*/ 706 h 1298"/>
-              <a:gd name="T8" fmla="*/ 323 w 1333"/>
-              <a:gd name="T9" fmla="*/ 1298 h 1298"/>
-              <a:gd name="T10" fmla="*/ 1090 w 1333"/>
-              <a:gd name="T11" fmla="*/ 1298 h 1298"/>
-              <a:gd name="T12" fmla="*/ 1333 w 1333"/>
-              <a:gd name="T13" fmla="*/ 1031 h 1298"/>
-            </a:gdLst>
-            <a:ahLst/>
-            <a:cxnLst>
-              <a:cxn ang="0">
-                <a:pos x="T0" y="T1"/>
-              </a:cxn>
-              <a:cxn ang="0">
-                <a:pos x="T2" y="T3"/>
-              </a:cxn>
-              <a:cxn ang="0">
-                <a:pos x="T4" y="T5"/>
-              </a:cxn>
-              <a:cxn ang="0">
-                <a:pos x="T6" y="T7"/>
-              </a:cxn>
-              <a:cxn ang="0">
-                <a:pos x="T8" y="T9"/>
-              </a:cxn>
-              <a:cxn ang="0">
-                <a:pos x="T10" y="T11"/>
-              </a:cxn>
-              <a:cxn ang="0">
-                <a:pos x="T12" y="T13"/>
-              </a:cxn>
-            </a:cxnLst>
-            <a:rect l="0" t="0" r="r" b="b"/>
-            <a:pathLst>
-              <a:path w="1333" h="1298">
-                <a:moveTo>
-                  <a:pt x="1333" y="1031"/>
-                </a:moveTo>
-                <a:cubicBezTo>
-                  <a:pt x="1333" y="380"/>
-                  <a:pt x="1333" y="380"/>
-                  <a:pt x="1333" y="380"/>
-                </a:cubicBezTo>
-                <a:cubicBezTo>
-                  <a:pt x="1215" y="154"/>
-                  <a:pt x="979" y="0"/>
-                  <a:pt x="706" y="0"/>
-                </a:cubicBezTo>
-                <a:cubicBezTo>
-                  <a:pt x="317" y="0"/>
-                  <a:pt x="0" y="316"/>
-                  <a:pt x="0" y="706"/>
-                </a:cubicBezTo>
-                <a:cubicBezTo>
-                  <a:pt x="0" y="954"/>
-                  <a:pt x="129" y="1172"/>
-                  <a:pt x="323" y="1298"/>
-                </a:cubicBezTo>
-                <a:cubicBezTo>
-                  <a:pt x="1090" y="1298"/>
-                  <a:pt x="1090" y="1298"/>
-                  <a:pt x="1090" y="1298"/>
-                </a:cubicBezTo>
-                <a:cubicBezTo>
-                  <a:pt x="1193" y="1232"/>
-                  <a:pt x="1276" y="1140"/>
-                  <a:pt x="1333" y="1031"/>
-                </a:cubicBezTo>
-                <a:close/>
-              </a:path>
-            </a:pathLst>
-          </a:custGeom>
-          <a:solidFill>
-            <a:schemeClr val="bg1">
-              <a:alpha val="70000"/>
-            </a:schemeClr>
-          </a:solidFill>
-          <a:ln w="50800" cap="sq" cmpd="dbl">
-            <a:noFill/>
-            <a:miter lim="800000"/>
-          </a:ln>
-          <a:effectLst/>
-        </p:spPr>
-        <p:txBody>
-          <a:bodyPr vert="horz" lIns="91440" tIns="45720" rIns="91440" bIns="45720" rtlCol="0" anchor="t">
-            <a:normAutofit/>
-          </a:bodyPr>
-          <a:lstStyle/>
-          <a:p>
-            <a:pPr algn="ctr">
-              <a:spcAft>
-                <a:spcPts val="1000"/>
-              </a:spcAft>
-              <a:buClr>
-                <a:schemeClr val="tx1"/>
-              </a:buClr>
-              <a:buSzPct val="100000"/>
-              <a:buFont typeface="Arial"/>
-              <a:buNone/>
-            </a:pPr>
-            <a:endParaRPr lang="en-US" sz="1600" cap="all"/>
-          </a:p>
-        </p:txBody>
-      </p:sp>
-      <p:sp>
-        <p:nvSpPr>
-          <p:cNvPr id="2" name="Title 1">
-            <a:extLst>
-              <a:ext uri="{FF2B5EF4-FFF2-40B4-BE49-F238E27FC236}">
-                <a16:creationId xmlns:a16="http://schemas.microsoft.com/office/drawing/2014/main" id="{53B66786-88FE-4373-8BF3-8DDD18551297}"/>
-              </a:ext>
-            </a:extLst>
-          </p:cNvPr>
-          <p:cNvSpPr>
-            <a:spLocks noGrp="1"/>
-          </p:cNvSpPr>
-          <p:nvPr>
-            <p:ph type="ctrTitle"/>
-          </p:nvPr>
-        </p:nvSpPr>
-        <p:spPr>
-          <a:xfrm>
-            <a:off x="8022021" y="3231931"/>
-            <a:ext cx="3852041" cy="1834056"/>
-          </a:xfrm>
-        </p:spPr>
-        <p:txBody>
-          <a:bodyPr>
-            <a:normAutofit/>
-          </a:bodyPr>
-          <a:lstStyle/>
-          <a:p>
-            <a:endParaRPr lang="LID4096" sz="4000"/>
-          </a:p>
-        </p:txBody>
-      </p:sp>
-      <p:sp>
-        <p:nvSpPr>
-          <p:cNvPr id="3" name="Subtitle 2">
-            <a:extLst>
-              <a:ext uri="{FF2B5EF4-FFF2-40B4-BE49-F238E27FC236}">
-                <a16:creationId xmlns:a16="http://schemas.microsoft.com/office/drawing/2014/main" id="{46DE0059-DDDA-40F7-9D21-3DC25B72E262}"/>
-              </a:ext>
-            </a:extLst>
-          </p:cNvPr>
-          <p:cNvSpPr>
-            <a:spLocks noGrp="1"/>
-          </p:cNvSpPr>
-          <p:nvPr>
-            <p:ph type="subTitle" idx="1"/>
-          </p:nvPr>
-        </p:nvSpPr>
-        <p:spPr>
-          <a:xfrm>
-            <a:off x="7782910" y="5242675"/>
-            <a:ext cx="4330262" cy="683284"/>
-          </a:xfrm>
-        </p:spPr>
-        <p:txBody>
-          <a:bodyPr>
-            <a:normAutofit/>
-          </a:bodyPr>
-          <a:lstStyle/>
-          <a:p>
-            <a:endParaRPr lang="LID4096" sz="2000"/>
-          </a:p>
-        </p:txBody>
-      </p:sp>
-      <p:cxnSp>
-        <p:nvCxnSpPr>
-          <p:cNvPr id="12" name="Straight Connector 11">
-            <a:extLst>
-              <a:ext uri="{FF2B5EF4-FFF2-40B4-BE49-F238E27FC236}">
-                <a16:creationId xmlns:a16="http://schemas.microsoft.com/office/drawing/2014/main" id="{BCDAEC91-5BCE-4B55-9CC0-43EF94CB734B}"/>
-              </a:ext>
-              <a:ext uri="{C183D7F6-B498-43B3-948B-1728B52AA6E4}">
-                <adec:decorative xmlns:adec="http://schemas.microsoft.com/office/drawing/2017/decorative" val="1"/>
-              </a:ext>
-            </a:extLst>
-          </p:cNvPr>
-          <p:cNvCxnSpPr>
-            <a:cxnSpLocks noGrp="1" noRot="1" noChangeAspect="1" noMove="1" noResize="1" noEditPoints="1" noAdjustHandles="1" noChangeArrowheads="1" noChangeShapeType="1"/>
-          </p:cNvCxnSpPr>
-          <p:nvPr>
-            <p:extLst>
-              <p:ext uri="{386F3935-93C4-4BCD-93E2-E3B085C9AB24}">
-                <p16:designElem xmlns:p16="http://schemas.microsoft.com/office/powerpoint/2015/main" val="1"/>
-              </p:ext>
-            </p:extLst>
-          </p:nvPr>
-        </p:nvCxnSpPr>
-        <p:spPr>
-          <a:xfrm>
-            <a:off x="9480331" y="5123793"/>
-            <a:ext cx="935420" cy="0"/>
-          </a:xfrm>
-          <a:prstGeom prst="line">
-            <a:avLst/>
-          </a:prstGeom>
-          <a:ln w="25400" cap="sq">
-            <a:solidFill>
-              <a:schemeClr val="tx1">
-                <a:lumMod val="85000"/>
-                <a:lumOff val="15000"/>
-              </a:schemeClr>
-            </a:solidFill>
-            <a:bevel/>
-          </a:ln>
-        </p:spPr>
-        <p:style>
-          <a:lnRef idx="1">
-            <a:schemeClr val="accent1"/>
-          </a:lnRef>
-          <a:fillRef idx="0">
-            <a:schemeClr val="accent1"/>
-          </a:fillRef>
-          <a:effectRef idx="0">
-            <a:schemeClr val="accent1"/>
-          </a:effectRef>
-          <a:fontRef idx="minor">
-            <a:schemeClr val="tx1"/>
-          </a:fontRef>
-        </p:style>
-      </p:cxnSp>
     </p:spTree>
     <p:extLst>
       <p:ext uri="{BB962C8B-B14F-4D97-AF65-F5344CB8AC3E}">
@@ -3679,37 +3422,12 @@
           <a:chExt cx="0" cy="0"/>
         </a:xfrm>
       </p:grpSpPr>
-      <p:sp>
-        <p:nvSpPr>
-          <p:cNvPr id="2" name="Title 1">
-            <a:extLst>
-              <a:ext uri="{FF2B5EF4-FFF2-40B4-BE49-F238E27FC236}">
-                <a16:creationId xmlns:a16="http://schemas.microsoft.com/office/drawing/2014/main" id="{3548C0F3-DC21-46CC-A7D7-D651064CB781}"/>
-              </a:ext>
-            </a:extLst>
-          </p:cNvPr>
-          <p:cNvSpPr>
-            <a:spLocks noGrp="1"/>
-          </p:cNvSpPr>
-          <p:nvPr>
-            <p:ph type="title"/>
-          </p:nvPr>
-        </p:nvSpPr>
-        <p:spPr/>
-        <p:txBody>
-          <a:bodyPr/>
-          <a:lstStyle/>
-          <a:p>
-            <a:endParaRPr lang="LID4096"/>
-          </a:p>
-        </p:txBody>
-      </p:sp>
       <p:pic>
         <p:nvPicPr>
           <p:cNvPr id="5" name="Content Placeholder 4" descr="A screenshot of a cell phone&#10;&#10;Description automatically generated">
             <a:extLst>
               <a:ext uri="{FF2B5EF4-FFF2-40B4-BE49-F238E27FC236}">
-                <a16:creationId xmlns:a16="http://schemas.microsoft.com/office/drawing/2014/main" id="{48D1EE26-C554-4728-A89A-63629BBF7F37}"/>
+                <a16:creationId xmlns:a16="http://schemas.microsoft.com/office/drawing/2014/main" xmlns="" id="{48D1EE26-C554-4728-A89A-63629BBF7F37}"/>
               </a:ext>
             </a:extLst>
           </p:cNvPr>
@@ -3774,7 +3492,7 @@
           <p:cNvPr id="2" name="Title 1">
             <a:extLst>
               <a:ext uri="{FF2B5EF4-FFF2-40B4-BE49-F238E27FC236}">
-                <a16:creationId xmlns:a16="http://schemas.microsoft.com/office/drawing/2014/main" id="{7881A696-D24E-48F9-8897-8144366AC828}"/>
+                <a16:creationId xmlns:a16="http://schemas.microsoft.com/office/drawing/2014/main" xmlns="" id="{7881A696-D24E-48F9-8897-8144366AC828}"/>
               </a:ext>
             </a:extLst>
           </p:cNvPr>
@@ -3787,7 +3505,7 @@
         </p:nvSpPr>
         <p:spPr>
           <a:xfrm>
-            <a:off x="838200" y="2766218"/>
+            <a:off x="594360" y="2818469"/>
             <a:ext cx="10515600" cy="1325563"/>
           </a:xfrm>
         </p:spPr>
@@ -3801,7 +3519,7 @@
               </a:rPr>
               <a:t>https://xd.adobe.com/view/63f1bf0a-430c-4ad4-761a-52c3852c2cb0-15c0/</a:t>
             </a:r>
-            <a:endParaRPr lang="LID4096" dirty="0"/>
+            <a:endParaRPr lang="x-none" dirty="0"/>
           </a:p>
         </p:txBody>
       </p:sp>
@@ -3810,7 +3528,7 @@
           <p:cNvPr id="4" name="TextBox 3">
             <a:extLst>
               <a:ext uri="{FF2B5EF4-FFF2-40B4-BE49-F238E27FC236}">
-                <a16:creationId xmlns:a16="http://schemas.microsoft.com/office/drawing/2014/main" id="{D1C641F2-BD3E-4EEE-B95B-F9D58CA3989B}"/>
+                <a16:creationId xmlns:a16="http://schemas.microsoft.com/office/drawing/2014/main" xmlns="" id="{D1C641F2-BD3E-4EEE-B95B-F9D58CA3989B}"/>
               </a:ext>
             </a:extLst>
           </p:cNvPr>
@@ -3843,7 +3561,7 @@
               <a:rPr lang="en-US" dirty="0"/>
               <a:t> </a:t>
             </a:r>
-            <a:endParaRPr lang="LID4096" dirty="0"/>
+            <a:endParaRPr lang="x-none" dirty="0"/>
           </a:p>
         </p:txBody>
       </p:sp>
